--- a/flashtalk/Back to home in desert.pptx
+++ b/flashtalk/Back to home in desert.pptx
@@ -5,10 +5,11 @@
     <p:sldMasterId id="2147483648" r:id="rId1"/>
   </p:sldMasterIdLst>
   <p:notesMasterIdLst>
-    <p:notesMasterId r:id="rId3"/>
+    <p:notesMasterId r:id="rId4"/>
   </p:notesMasterIdLst>
   <p:sldIdLst>
     <p:sldId id="256" r:id="rId2"/>
+    <p:sldId id="257" r:id="rId3"/>
   </p:sldIdLst>
   <p:sldSz cx="12192000" cy="6858000"/>
   <p:notesSz cx="6858000" cy="9144000"/>
@@ -107,6 +108,11 @@
       </a:defRPr>
     </a:lvl9pPr>
   </p:defaultTextStyle>
+  <p:extLst>
+    <p:ext uri="{EFAFB233-063F-42B5-8137-9DF3F51BA10A}">
+      <p15:sldGuideLst xmlns:p15="http://schemas.microsoft.com/office/powerpoint/2012/main"/>
+    </p:ext>
+  </p:extLst>
 </p:presentation>
 </file>
 
@@ -192,7 +198,7 @@
           <a:p>
             <a:fld id="{B5700F98-BD74-4A04-A1CE-DBAF12E2D71A}" type="datetimeFigureOut">
               <a:rPr lang="de-CH" smtClean="0"/>
-              <a:t>08.10.2018</a:t>
+              <a:t>06.12.2018</a:t>
             </a:fld>
             <a:endParaRPr lang="de-CH"/>
           </a:p>
@@ -609,7 +615,7 @@
           <a:p>
             <a:fld id="{D1E192D4-AA6F-421B-8D7D-90A60BE55B3C}" type="datetime1">
               <a:rPr lang="de-CH" smtClean="0"/>
-              <a:t>08.10.2018</a:t>
+              <a:t>06.12.2018</a:t>
             </a:fld>
             <a:endParaRPr lang="de-CH"/>
           </a:p>
@@ -812,7 +818,7 @@
           <a:p>
             <a:fld id="{0784FCB5-D93F-46E9-A33E-CEF55C178C85}" type="datetime1">
               <a:rPr lang="de-CH" smtClean="0"/>
-              <a:t>08.10.2018</a:t>
+              <a:t>06.12.2018</a:t>
             </a:fld>
             <a:endParaRPr lang="de-CH"/>
           </a:p>
@@ -1025,7 +1031,7 @@
           <a:p>
             <a:fld id="{B316D32F-4DEB-4A7E-9AC4-7F0F6CAC5E56}" type="datetime1">
               <a:rPr lang="de-CH" smtClean="0"/>
-              <a:t>08.10.2018</a:t>
+              <a:t>06.12.2018</a:t>
             </a:fld>
             <a:endParaRPr lang="de-CH"/>
           </a:p>
@@ -1228,7 +1234,7 @@
           <a:p>
             <a:fld id="{0EC7D180-C5BE-4800-8562-AE0630BCC29D}" type="datetime1">
               <a:rPr lang="de-CH" smtClean="0"/>
-              <a:t>08.10.2018</a:t>
+              <a:t>06.12.2018</a:t>
             </a:fld>
             <a:endParaRPr lang="de-CH"/>
           </a:p>
@@ -1507,7 +1513,7 @@
           <a:p>
             <a:fld id="{226EB56B-273F-4744-8770-24B01C7FF210}" type="datetime1">
               <a:rPr lang="de-CH" smtClean="0"/>
-              <a:t>08.10.2018</a:t>
+              <a:t>06.12.2018</a:t>
             </a:fld>
             <a:endParaRPr lang="de-CH"/>
           </a:p>
@@ -1778,7 +1784,7 @@
           <a:p>
             <a:fld id="{520905D7-98B2-4A28-83FD-9092A814DFEA}" type="datetime1">
               <a:rPr lang="de-CH" smtClean="0"/>
-              <a:t>08.10.2018</a:t>
+              <a:t>06.12.2018</a:t>
             </a:fld>
             <a:endParaRPr lang="de-CH"/>
           </a:p>
@@ -2196,7 +2202,7 @@
           <a:p>
             <a:fld id="{8B0A0965-2C92-4672-8872-267BBA6F7455}" type="datetime1">
               <a:rPr lang="de-CH" smtClean="0"/>
-              <a:t>08.10.2018</a:t>
+              <a:t>06.12.2018</a:t>
             </a:fld>
             <a:endParaRPr lang="de-CH"/>
           </a:p>
@@ -2341,7 +2347,7 @@
           <a:p>
             <a:fld id="{F4628119-907F-4FCF-8BC0-EE795B5D278F}" type="datetime1">
               <a:rPr lang="de-CH" smtClean="0"/>
-              <a:t>08.10.2018</a:t>
+              <a:t>06.12.2018</a:t>
             </a:fld>
             <a:endParaRPr lang="de-CH"/>
           </a:p>
@@ -2457,7 +2463,7 @@
           <a:p>
             <a:fld id="{50E7118E-1818-494E-BEA0-482C9D8B3AF6}" type="datetime1">
               <a:rPr lang="de-CH" smtClean="0"/>
-              <a:t>08.10.2018</a:t>
+              <a:t>06.12.2018</a:t>
             </a:fld>
             <a:endParaRPr lang="de-CH"/>
           </a:p>
@@ -2773,7 +2779,7 @@
           <a:p>
             <a:fld id="{D6CD812E-BB83-4138-95E2-EDA227A321B4}" type="datetime1">
               <a:rPr lang="de-CH" smtClean="0"/>
-              <a:t>08.10.2018</a:t>
+              <a:t>06.12.2018</a:t>
             </a:fld>
             <a:endParaRPr lang="de-CH"/>
           </a:p>
@@ -3065,7 +3071,7 @@
           <a:p>
             <a:fld id="{5E03B577-AFD8-4382-90A0-49A117E6F82B}" type="datetime1">
               <a:rPr lang="de-CH" smtClean="0"/>
-              <a:t>08.10.2018</a:t>
+              <a:t>06.12.2018</a:t>
             </a:fld>
             <a:endParaRPr lang="de-CH"/>
           </a:p>
@@ -3311,7 +3317,7 @@
           <a:p>
             <a:fld id="{A2ECEC7D-4871-4CDC-A2BF-F09FFC3540D8}" type="datetime1">
               <a:rPr lang="de-CH" smtClean="0"/>
-              <a:t>08.10.2018</a:t>
+              <a:t>06.12.2018</a:t>
             </a:fld>
             <a:endParaRPr lang="de-CH"/>
           </a:p>
@@ -4012,178 +4018,20 @@
               <a:buChar char="•"/>
             </a:pPr>
             <a:r>
-              <a:rPr lang="de-CH" sz="2000" dirty="0" err="1">
+              <a:rPr lang="de-CH" sz="1600" dirty="0">
                 <a:solidFill>
                   <a:srgbClr val="000000"/>
                 </a:solidFill>
               </a:rPr>
-              <a:t>navigation</a:t>
-            </a:r>
-            <a:r>
-              <a:rPr lang="de-CH" sz="2000" dirty="0">
-                <a:solidFill>
-                  <a:srgbClr val="000000"/>
-                </a:solidFill>
-              </a:rPr>
-              <a:t> </a:t>
-            </a:r>
-            <a:r>
-              <a:rPr lang="de-CH" sz="2000" dirty="0" err="1">
-                <a:solidFill>
-                  <a:srgbClr val="000000"/>
-                </a:solidFill>
-              </a:rPr>
-              <a:t>by</a:t>
-            </a:r>
-            <a:r>
-              <a:rPr lang="de-CH" sz="2000" dirty="0">
-                <a:solidFill>
-                  <a:srgbClr val="000000"/>
-                </a:solidFill>
-              </a:rPr>
-              <a:t> </a:t>
-            </a:r>
-            <a:r>
-              <a:rPr lang="de-CH" sz="2000" dirty="0" err="1">
-                <a:solidFill>
-                  <a:srgbClr val="000000"/>
-                </a:solidFill>
-              </a:rPr>
-              <a:t>landmarks</a:t>
-            </a:r>
-            <a:r>
-              <a:rPr lang="de-CH" sz="2000" dirty="0">
-                <a:solidFill>
-                  <a:srgbClr val="000000"/>
-                </a:solidFill>
-              </a:rPr>
-              <a:t> </a:t>
-            </a:r>
-            <a:r>
-              <a:rPr lang="de-CH" sz="2000" dirty="0" err="1">
-                <a:solidFill>
-                  <a:srgbClr val="000000"/>
-                </a:solidFill>
-              </a:rPr>
-              <a:t>or</a:t>
-            </a:r>
-            <a:r>
-              <a:rPr lang="de-CH" sz="2000" dirty="0">
-                <a:solidFill>
-                  <a:srgbClr val="000000"/>
-                </a:solidFill>
-              </a:rPr>
-              <a:t> </a:t>
-            </a:r>
-            <a:r>
-              <a:rPr lang="de-CH" sz="2000" dirty="0" err="1">
-                <a:solidFill>
-                  <a:srgbClr val="000000"/>
-                </a:solidFill>
-              </a:rPr>
-              <a:t>memory</a:t>
-            </a:r>
-            <a:endParaRPr lang="de-CH" sz="2000" dirty="0">
-              <a:solidFill>
-                <a:srgbClr val="000000"/>
-              </a:solidFill>
-            </a:endParaRPr>
-          </a:p>
-          <a:p>
-            <a:pPr marL="285750" indent="-285750" algn="l">
-              <a:buFont typeface="Arial" panose="020B0604020202020204" pitchFamily="34" charset="0"/>
-              <a:buChar char="•"/>
-            </a:pPr>
-            <a:r>
-              <a:rPr lang="de-CH" sz="2000" dirty="0" err="1">
-                <a:solidFill>
-                  <a:srgbClr val="000000"/>
-                </a:solidFill>
-              </a:rPr>
-              <a:t>reproduce</a:t>
-            </a:r>
-            <a:r>
-              <a:rPr lang="de-CH" sz="2000" dirty="0">
-                <a:solidFill>
-                  <a:srgbClr val="000000"/>
-                </a:solidFill>
-              </a:rPr>
-              <a:t> </a:t>
-            </a:r>
-            <a:r>
-              <a:rPr lang="de-CH" sz="2000" dirty="0" err="1">
-                <a:solidFill>
-                  <a:srgbClr val="000000"/>
-                </a:solidFill>
-              </a:rPr>
-              <a:t>testing</a:t>
-            </a:r>
-            <a:r>
-              <a:rPr lang="de-CH" sz="2000" dirty="0">
-                <a:solidFill>
-                  <a:srgbClr val="000000"/>
-                </a:solidFill>
-              </a:rPr>
-              <a:t> </a:t>
-            </a:r>
-            <a:r>
-              <a:rPr lang="de-CH" sz="2000" dirty="0" err="1">
-                <a:solidFill>
-                  <a:srgbClr val="000000"/>
-                </a:solidFill>
-              </a:rPr>
-              <a:t>data</a:t>
-            </a:r>
-            <a:r>
-              <a:rPr lang="de-CH" sz="2000" dirty="0">
-                <a:solidFill>
-                  <a:srgbClr val="000000"/>
-                </a:solidFill>
-              </a:rPr>
-              <a:t> </a:t>
-            </a:r>
-            <a:r>
-              <a:rPr lang="de-CH" sz="2000" dirty="0" err="1">
-                <a:solidFill>
-                  <a:srgbClr val="000000"/>
-                </a:solidFill>
-              </a:rPr>
-              <a:t>by</a:t>
-            </a:r>
-            <a:r>
-              <a:rPr lang="de-CH" sz="2000" dirty="0">
-                <a:solidFill>
-                  <a:srgbClr val="000000"/>
-                </a:solidFill>
-              </a:rPr>
-              <a:t> </a:t>
-            </a:r>
-            <a:r>
-              <a:rPr lang="de-CH" sz="2000" dirty="0" err="1">
-                <a:solidFill>
-                  <a:srgbClr val="000000"/>
-                </a:solidFill>
-              </a:rPr>
-              <a:t>simulation</a:t>
-            </a:r>
-            <a:endParaRPr lang="de-CH" sz="2000" dirty="0">
-              <a:solidFill>
-                <a:srgbClr val="000000"/>
-              </a:solidFill>
-            </a:endParaRPr>
-          </a:p>
-          <a:p>
-            <a:pPr marL="742950" lvl="1" indent="-285750" algn="l">
-              <a:buFont typeface="Arial" panose="020B0604020202020204" pitchFamily="34" charset="0"/>
-              <a:buChar char="•"/>
-            </a:pPr>
+              <a:t>Paper </a:t>
+            </a:r>
             <a:r>
               <a:rPr lang="de-CH" sz="1600" dirty="0" err="1">
                 <a:solidFill>
                   <a:srgbClr val="000000"/>
                 </a:solidFill>
               </a:rPr>
-              <a:t>based</a:t>
+              <a:t>of</a:t>
             </a:r>
             <a:r>
               <a:rPr lang="de-CH" sz="1600" dirty="0">
@@ -4191,40 +4039,19 @@
                   <a:srgbClr val="000000"/>
                 </a:solidFill>
               </a:rPr>
-              <a:t> on </a:t>
-            </a:r>
-            <a:r>
-              <a:rPr lang="de-CH" sz="1600" dirty="0" err="1">
-                <a:solidFill>
-                  <a:srgbClr val="000000"/>
-                </a:solidFill>
-              </a:rPr>
-              <a:t>thesis</a:t>
-            </a:r>
-            <a:r>
-              <a:rPr lang="de-CH" sz="1600" dirty="0">
-                <a:solidFill>
-                  <a:srgbClr val="000000"/>
-                </a:solidFill>
-              </a:rPr>
-              <a:t> </a:t>
-            </a:r>
-            <a:r>
-              <a:rPr lang="de-CH" sz="1600" dirty="0" err="1">
-                <a:solidFill>
-                  <a:srgbClr val="000000"/>
-                </a:solidFill>
-              </a:rPr>
-              <a:t>by</a:t>
-            </a:r>
-            <a:r>
-              <a:rPr lang="de-CH" sz="1600" dirty="0">
-                <a:solidFill>
-                  <a:srgbClr val="000000"/>
-                </a:solidFill>
-              </a:rPr>
-              <a:t> R. Wehner 1998</a:t>
-            </a:r>
+              <a:t> R. Wehner</a:t>
+            </a:r>
+          </a:p>
+          <a:p>
+            <a:pPr marL="285750" indent="-285750" algn="l">
+              <a:buFont typeface="Arial" panose="020B0604020202020204" pitchFamily="34" charset="0"/>
+              <a:buChar char="•"/>
+            </a:pPr>
+            <a:endParaRPr lang="de-CH" sz="1600" dirty="0">
+              <a:solidFill>
+                <a:srgbClr val="000000"/>
+              </a:solidFill>
+            </a:endParaRPr>
           </a:p>
         </p:txBody>
       </p:sp>
@@ -4265,6 +4092,125 @@
     <p:extLst>
       <p:ext uri="{BB962C8B-B14F-4D97-AF65-F5344CB8AC3E}">
         <p14:creationId xmlns:p14="http://schemas.microsoft.com/office/powerpoint/2010/main" val="2513955939"/>
+      </p:ext>
+    </p:extLst>
+  </p:cSld>
+  <p:clrMapOvr>
+    <a:masterClrMapping/>
+  </p:clrMapOvr>
+</p:sld>
+</file>
+
+<file path=ppt/slides/slide2.xml><?xml version="1.0" encoding="utf-8"?>
+<p:sld xmlns:a="http://schemas.openxmlformats.org/drawingml/2006/main" xmlns:r="http://schemas.openxmlformats.org/officeDocument/2006/relationships" xmlns:p="http://schemas.openxmlformats.org/presentationml/2006/main">
+  <p:cSld>
+    <p:spTree>
+      <p:nvGrpSpPr>
+        <p:cNvPr id="1" name=""/>
+        <p:cNvGrpSpPr/>
+        <p:nvPr/>
+      </p:nvGrpSpPr>
+      <p:grpSpPr>
+        <a:xfrm>
+          <a:off x="0" y="0"/>
+          <a:ext cx="0" cy="0"/>
+          <a:chOff x="0" y="0"/>
+          <a:chExt cx="0" cy="0"/>
+        </a:xfrm>
+      </p:grpSpPr>
+      <p:sp>
+        <p:nvSpPr>
+          <p:cNvPr id="2" name="Titel 1">
+            <a:extLst>
+              <a:ext uri="{FF2B5EF4-FFF2-40B4-BE49-F238E27FC236}">
+                <a16:creationId xmlns:a16="http://schemas.microsoft.com/office/drawing/2014/main" id="{6911A3BF-FF4F-4F3C-A97C-AF7BB6BEB792}"/>
+              </a:ext>
+            </a:extLst>
+          </p:cNvPr>
+          <p:cNvSpPr>
+            <a:spLocks noGrp="1"/>
+          </p:cNvSpPr>
+          <p:nvPr>
+            <p:ph type="title"/>
+          </p:nvPr>
+        </p:nvSpPr>
+        <p:spPr/>
+        <p:txBody>
+          <a:bodyPr/>
+          <a:lstStyle/>
+          <a:p>
+            <a:r>
+              <a:rPr lang="de-CH" dirty="0"/>
+              <a:t>Paper </a:t>
+            </a:r>
+            <a:r>
+              <a:rPr lang="de-CH" dirty="0" err="1"/>
+              <a:t>of</a:t>
+            </a:r>
+            <a:r>
+              <a:rPr lang="de-CH" dirty="0"/>
+              <a:t> R. Wehner</a:t>
+            </a:r>
+          </a:p>
+        </p:txBody>
+      </p:sp>
+      <p:sp>
+        <p:nvSpPr>
+          <p:cNvPr id="3" name="Inhaltsplatzhalter 2">
+            <a:extLst>
+              <a:ext uri="{FF2B5EF4-FFF2-40B4-BE49-F238E27FC236}">
+                <a16:creationId xmlns:a16="http://schemas.microsoft.com/office/drawing/2014/main" id="{3F9C8343-57AA-4D3E-AC88-05C8B37280B8}"/>
+              </a:ext>
+            </a:extLst>
+          </p:cNvPr>
+          <p:cNvSpPr>
+            <a:spLocks noGrp="1"/>
+          </p:cNvSpPr>
+          <p:nvPr>
+            <p:ph idx="1"/>
+          </p:nvPr>
+        </p:nvSpPr>
+        <p:spPr/>
+        <p:txBody>
+          <a:bodyPr/>
+          <a:lstStyle/>
+          <a:p>
+            <a:endParaRPr lang="de-CH" dirty="0"/>
+          </a:p>
+        </p:txBody>
+      </p:sp>
+      <p:sp>
+        <p:nvSpPr>
+          <p:cNvPr id="4" name="Fußzeilenplatzhalter 3">
+            <a:extLst>
+              <a:ext uri="{FF2B5EF4-FFF2-40B4-BE49-F238E27FC236}">
+                <a16:creationId xmlns:a16="http://schemas.microsoft.com/office/drawing/2014/main" id="{948DC6C5-E66E-4CFD-9A84-F79BA83ABA99}"/>
+              </a:ext>
+            </a:extLst>
+          </p:cNvPr>
+          <p:cNvSpPr>
+            <a:spLocks noGrp="1"/>
+          </p:cNvSpPr>
+          <p:nvPr>
+            <p:ph type="ftr" sz="quarter" idx="11"/>
+          </p:nvPr>
+        </p:nvSpPr>
+        <p:spPr/>
+        <p:txBody>
+          <a:bodyPr/>
+          <a:lstStyle/>
+          <a:p>
+            <a:r>
+              <a:rPr lang="de-CH"/>
+              <a:t>Josua Graf, Noah Zarro</a:t>
+            </a:r>
+          </a:p>
+        </p:txBody>
+      </p:sp>
+    </p:spTree>
+    <p:extLst>
+      <p:ext uri="{BB962C8B-B14F-4D97-AF65-F5344CB8AC3E}">
+        <p14:creationId xmlns:p14="http://schemas.microsoft.com/office/powerpoint/2010/main" val="876636335"/>
       </p:ext>
     </p:extLst>
   </p:cSld>

--- a/flashtalk/Back to home in desert.pptx
+++ b/flashtalk/Back to home in desert.pptx
@@ -5,11 +5,14 @@
     <p:sldMasterId id="2147483648" r:id="rId1"/>
   </p:sldMasterIdLst>
   <p:notesMasterIdLst>
-    <p:notesMasterId r:id="rId4"/>
+    <p:notesMasterId r:id="rId7"/>
   </p:notesMasterIdLst>
   <p:sldIdLst>
     <p:sldId id="256" r:id="rId2"/>
     <p:sldId id="257" r:id="rId3"/>
+    <p:sldId id="258" r:id="rId4"/>
+    <p:sldId id="259" r:id="rId5"/>
+    <p:sldId id="260" r:id="rId6"/>
   </p:sldIdLst>
   <p:sldSz cx="12192000" cy="6858000"/>
   <p:notesSz cx="6858000" cy="9144000"/>
@@ -165,7 +168,7 @@
             </a:lvl1pPr>
           </a:lstStyle>
           <a:p>
-            <a:endParaRPr lang="de-CH"/>
+            <a:endParaRPr lang="de-CH" dirty="0"/>
           </a:p>
         </p:txBody>
       </p:sp>
@@ -198,9 +201,9 @@
           <a:p>
             <a:fld id="{B5700F98-BD74-4A04-A1CE-DBAF12E2D71A}" type="datetimeFigureOut">
               <a:rPr lang="de-CH" smtClean="0"/>
-              <a:t>06.12.2018</a:t>
+              <a:t>10.12.2018</a:t>
             </a:fld>
-            <a:endParaRPr lang="de-CH"/>
+            <a:endParaRPr lang="de-CH" dirty="0"/>
           </a:p>
         </p:txBody>
       </p:sp>
@@ -233,7 +236,7 @@
           <a:bodyPr vert="horz" lIns="91440" tIns="45720" rIns="91440" bIns="45720" rtlCol="0" anchor="ctr"/>
           <a:lstStyle/>
           <a:p>
-            <a:endParaRPr lang="de-CH"/>
+            <a:endParaRPr lang="de-CH" dirty="0"/>
           </a:p>
         </p:txBody>
       </p:sp>
@@ -324,7 +327,7 @@
             </a:lvl1pPr>
           </a:lstStyle>
           <a:p>
-            <a:endParaRPr lang="de-CH"/>
+            <a:endParaRPr lang="de-CH" dirty="0"/>
           </a:p>
         </p:txBody>
       </p:sp>
@@ -359,7 +362,7 @@
               <a:rPr lang="de-CH" smtClean="0"/>
               <a:t>‹Nr.›</a:t>
             </a:fld>
-            <a:endParaRPr lang="de-CH"/>
+            <a:endParaRPr lang="de-CH" dirty="0"/>
           </a:p>
         </p:txBody>
       </p:sp>
@@ -615,9 +618,9 @@
           <a:p>
             <a:fld id="{D1E192D4-AA6F-421B-8D7D-90A60BE55B3C}" type="datetime1">
               <a:rPr lang="de-CH" smtClean="0"/>
-              <a:t>06.12.2018</a:t>
+              <a:t>10.12.2018</a:t>
             </a:fld>
-            <a:endParaRPr lang="de-CH"/>
+            <a:endParaRPr lang="de-CH" dirty="0"/>
           </a:p>
         </p:txBody>
       </p:sp>
@@ -643,7 +646,7 @@
           <a:lstStyle/>
           <a:p>
             <a:r>
-              <a:rPr lang="de-CH"/>
+              <a:rPr lang="de-CH" dirty="0"/>
               <a:t>Josua Graf, Noah Zarro</a:t>
             </a:r>
           </a:p>
@@ -674,7 +677,7 @@
               <a:rPr lang="de-CH" smtClean="0"/>
               <a:t>‹Nr.›</a:t>
             </a:fld>
-            <a:endParaRPr lang="de-CH"/>
+            <a:endParaRPr lang="de-CH" dirty="0"/>
           </a:p>
         </p:txBody>
       </p:sp>
@@ -818,9 +821,9 @@
           <a:p>
             <a:fld id="{0784FCB5-D93F-46E9-A33E-CEF55C178C85}" type="datetime1">
               <a:rPr lang="de-CH" smtClean="0"/>
-              <a:t>06.12.2018</a:t>
+              <a:t>10.12.2018</a:t>
             </a:fld>
-            <a:endParaRPr lang="de-CH"/>
+            <a:endParaRPr lang="de-CH" dirty="0"/>
           </a:p>
         </p:txBody>
       </p:sp>
@@ -846,7 +849,7 @@
           <a:lstStyle/>
           <a:p>
             <a:r>
-              <a:rPr lang="de-CH"/>
+              <a:rPr lang="de-CH" dirty="0"/>
               <a:t>Josua Graf, Noah Zarro</a:t>
             </a:r>
           </a:p>
@@ -877,7 +880,7 @@
               <a:rPr lang="de-CH" smtClean="0"/>
               <a:t>‹Nr.›</a:t>
             </a:fld>
-            <a:endParaRPr lang="de-CH"/>
+            <a:endParaRPr lang="de-CH" dirty="0"/>
           </a:p>
         </p:txBody>
       </p:sp>
@@ -1031,9 +1034,9 @@
           <a:p>
             <a:fld id="{B316D32F-4DEB-4A7E-9AC4-7F0F6CAC5E56}" type="datetime1">
               <a:rPr lang="de-CH" smtClean="0"/>
-              <a:t>06.12.2018</a:t>
+              <a:t>10.12.2018</a:t>
             </a:fld>
-            <a:endParaRPr lang="de-CH"/>
+            <a:endParaRPr lang="de-CH" dirty="0"/>
           </a:p>
         </p:txBody>
       </p:sp>
@@ -1059,7 +1062,7 @@
           <a:lstStyle/>
           <a:p>
             <a:r>
-              <a:rPr lang="de-CH"/>
+              <a:rPr lang="de-CH" dirty="0"/>
               <a:t>Josua Graf, Noah Zarro</a:t>
             </a:r>
           </a:p>
@@ -1090,7 +1093,7 @@
               <a:rPr lang="de-CH" smtClean="0"/>
               <a:t>‹Nr.›</a:t>
             </a:fld>
-            <a:endParaRPr lang="de-CH"/>
+            <a:endParaRPr lang="de-CH" dirty="0"/>
           </a:p>
         </p:txBody>
       </p:sp>
@@ -1234,9 +1237,9 @@
           <a:p>
             <a:fld id="{0EC7D180-C5BE-4800-8562-AE0630BCC29D}" type="datetime1">
               <a:rPr lang="de-CH" smtClean="0"/>
-              <a:t>06.12.2018</a:t>
+              <a:t>10.12.2018</a:t>
             </a:fld>
-            <a:endParaRPr lang="de-CH"/>
+            <a:endParaRPr lang="de-CH" dirty="0"/>
           </a:p>
         </p:txBody>
       </p:sp>
@@ -1262,7 +1265,7 @@
           <a:lstStyle/>
           <a:p>
             <a:r>
-              <a:rPr lang="de-CH"/>
+              <a:rPr lang="de-CH" dirty="0"/>
               <a:t>Josua Graf, Noah Zarro</a:t>
             </a:r>
           </a:p>
@@ -1293,10 +1296,59 @@
               <a:rPr lang="de-CH" smtClean="0"/>
               <a:t>‹Nr.›</a:t>
             </a:fld>
-            <a:endParaRPr lang="de-CH"/>
-          </a:p>
-        </p:txBody>
-      </p:sp>
+            <a:endParaRPr lang="de-CH" dirty="0"/>
+          </a:p>
+        </p:txBody>
+      </p:sp>
+      <p:pic>
+        <p:nvPicPr>
+          <p:cNvPr id="7" name="Picture 2" descr="Ameise, Schwarze Ameise, Natur, Animalia, Tierwelt">
+            <a:extLst>
+              <a:ext uri="{FF2B5EF4-FFF2-40B4-BE49-F238E27FC236}">
+                <a16:creationId xmlns:a16="http://schemas.microsoft.com/office/drawing/2014/main" id="{72482A91-B0DF-4FC5-B778-4EA22B0F2702}"/>
+              </a:ext>
+            </a:extLst>
+          </p:cNvPr>
+          <p:cNvPicPr>
+            <a:picLocks noChangeAspect="1" noChangeArrowheads="1"/>
+          </p:cNvPicPr>
+          <p:nvPr userDrawn="1"/>
+        </p:nvPicPr>
+        <p:blipFill rotWithShape="1">
+          <a:blip r:embed="rId2">
+            <a:alphaModFix/>
+            <a:extLst>
+              <a:ext uri="{28A0092B-C50C-407E-A947-70E740481C1C}">
+                <a14:useLocalDpi xmlns:a14="http://schemas.microsoft.com/office/drawing/2010/main" val="0"/>
+              </a:ext>
+            </a:extLst>
+          </a:blip>
+          <a:srcRect l="24905" r="22412"/>
+          <a:stretch/>
+        </p:blipFill>
+        <p:spPr bwMode="auto">
+          <a:xfrm>
+            <a:off x="9285535" y="0"/>
+            <a:ext cx="2906465" cy="3103281"/>
+          </a:xfrm>
+          <a:prstGeom prst="rect">
+            <a:avLst/>
+          </a:prstGeom>
+          <a:noFill/>
+          <a:effectLst>
+            <a:softEdge rad="635000"/>
+          </a:effectLst>
+          <a:extLst>
+            <a:ext uri="{909E8E84-426E-40DD-AFC4-6F175D3DCCD1}">
+              <a14:hiddenFill xmlns:a14="http://schemas.microsoft.com/office/drawing/2010/main">
+                <a:solidFill>
+                  <a:srgbClr val="FFFFFF"/>
+                </a:solidFill>
+              </a14:hiddenFill>
+            </a:ext>
+          </a:extLst>
+        </p:spPr>
+      </p:pic>
     </p:spTree>
     <p:extLst>
       <p:ext uri="{BB962C8B-B14F-4D97-AF65-F5344CB8AC3E}">
@@ -1513,9 +1565,9 @@
           <a:p>
             <a:fld id="{226EB56B-273F-4744-8770-24B01C7FF210}" type="datetime1">
               <a:rPr lang="de-CH" smtClean="0"/>
-              <a:t>06.12.2018</a:t>
+              <a:t>10.12.2018</a:t>
             </a:fld>
-            <a:endParaRPr lang="de-CH"/>
+            <a:endParaRPr lang="de-CH" dirty="0"/>
           </a:p>
         </p:txBody>
       </p:sp>
@@ -1541,7 +1593,7 @@
           <a:lstStyle/>
           <a:p>
             <a:r>
-              <a:rPr lang="de-CH"/>
+              <a:rPr lang="de-CH" dirty="0"/>
               <a:t>Josua Graf, Noah Zarro</a:t>
             </a:r>
           </a:p>
@@ -1572,7 +1624,7 @@
               <a:rPr lang="de-CH" smtClean="0"/>
               <a:t>‹Nr.›</a:t>
             </a:fld>
-            <a:endParaRPr lang="de-CH"/>
+            <a:endParaRPr lang="de-CH" dirty="0"/>
           </a:p>
         </p:txBody>
       </p:sp>
@@ -1784,9 +1836,9 @@
           <a:p>
             <a:fld id="{520905D7-98B2-4A28-83FD-9092A814DFEA}" type="datetime1">
               <a:rPr lang="de-CH" smtClean="0"/>
-              <a:t>06.12.2018</a:t>
+              <a:t>10.12.2018</a:t>
             </a:fld>
-            <a:endParaRPr lang="de-CH"/>
+            <a:endParaRPr lang="de-CH" dirty="0"/>
           </a:p>
         </p:txBody>
       </p:sp>
@@ -1812,7 +1864,7 @@
           <a:lstStyle/>
           <a:p>
             <a:r>
-              <a:rPr lang="de-CH"/>
+              <a:rPr lang="de-CH" dirty="0"/>
               <a:t>Josua Graf, Noah Zarro</a:t>
             </a:r>
           </a:p>
@@ -1843,7 +1895,7 @@
               <a:rPr lang="de-CH" smtClean="0"/>
               <a:t>‹Nr.›</a:t>
             </a:fld>
-            <a:endParaRPr lang="de-CH"/>
+            <a:endParaRPr lang="de-CH" dirty="0"/>
           </a:p>
         </p:txBody>
       </p:sp>
@@ -2202,9 +2254,9 @@
           <a:p>
             <a:fld id="{8B0A0965-2C92-4672-8872-267BBA6F7455}" type="datetime1">
               <a:rPr lang="de-CH" smtClean="0"/>
-              <a:t>06.12.2018</a:t>
+              <a:t>10.12.2018</a:t>
             </a:fld>
-            <a:endParaRPr lang="de-CH"/>
+            <a:endParaRPr lang="de-CH" dirty="0"/>
           </a:p>
         </p:txBody>
       </p:sp>
@@ -2230,7 +2282,7 @@
           <a:lstStyle/>
           <a:p>
             <a:r>
-              <a:rPr lang="de-CH"/>
+              <a:rPr lang="de-CH" dirty="0"/>
               <a:t>Josua Graf, Noah Zarro</a:t>
             </a:r>
           </a:p>
@@ -2261,7 +2313,7 @@
               <a:rPr lang="de-CH" smtClean="0"/>
               <a:t>‹Nr.›</a:t>
             </a:fld>
-            <a:endParaRPr lang="de-CH"/>
+            <a:endParaRPr lang="de-CH" dirty="0"/>
           </a:p>
         </p:txBody>
       </p:sp>
@@ -2347,9 +2399,9 @@
           <a:p>
             <a:fld id="{F4628119-907F-4FCF-8BC0-EE795B5D278F}" type="datetime1">
               <a:rPr lang="de-CH" smtClean="0"/>
-              <a:t>06.12.2018</a:t>
+              <a:t>10.12.2018</a:t>
             </a:fld>
-            <a:endParaRPr lang="de-CH"/>
+            <a:endParaRPr lang="de-CH" dirty="0"/>
           </a:p>
         </p:txBody>
       </p:sp>
@@ -2375,7 +2427,7 @@
           <a:lstStyle/>
           <a:p>
             <a:r>
-              <a:rPr lang="de-CH"/>
+              <a:rPr lang="de-CH" dirty="0"/>
               <a:t>Josua Graf, Noah Zarro</a:t>
             </a:r>
           </a:p>
@@ -2406,7 +2458,7 @@
               <a:rPr lang="de-CH" smtClean="0"/>
               <a:t>‹Nr.›</a:t>
             </a:fld>
-            <a:endParaRPr lang="de-CH"/>
+            <a:endParaRPr lang="de-CH" dirty="0"/>
           </a:p>
         </p:txBody>
       </p:sp>
@@ -2463,9 +2515,9 @@
           <a:p>
             <a:fld id="{50E7118E-1818-494E-BEA0-482C9D8B3AF6}" type="datetime1">
               <a:rPr lang="de-CH" smtClean="0"/>
-              <a:t>06.12.2018</a:t>
+              <a:t>10.12.2018</a:t>
             </a:fld>
-            <a:endParaRPr lang="de-CH"/>
+            <a:endParaRPr lang="de-CH" dirty="0"/>
           </a:p>
         </p:txBody>
       </p:sp>
@@ -2491,7 +2543,7 @@
           <a:lstStyle/>
           <a:p>
             <a:r>
-              <a:rPr lang="de-CH"/>
+              <a:rPr lang="de-CH" dirty="0"/>
               <a:t>Josua Graf, Noah Zarro</a:t>
             </a:r>
           </a:p>
@@ -2522,7 +2574,7 @@
               <a:rPr lang="de-CH" smtClean="0"/>
               <a:t>‹Nr.›</a:t>
             </a:fld>
-            <a:endParaRPr lang="de-CH"/>
+            <a:endParaRPr lang="de-CH" dirty="0"/>
           </a:p>
         </p:txBody>
       </p:sp>
@@ -2779,9 +2831,9 @@
           <a:p>
             <a:fld id="{D6CD812E-BB83-4138-95E2-EDA227A321B4}" type="datetime1">
               <a:rPr lang="de-CH" smtClean="0"/>
-              <a:t>06.12.2018</a:t>
+              <a:t>10.12.2018</a:t>
             </a:fld>
-            <a:endParaRPr lang="de-CH"/>
+            <a:endParaRPr lang="de-CH" dirty="0"/>
           </a:p>
         </p:txBody>
       </p:sp>
@@ -2807,7 +2859,7 @@
           <a:lstStyle/>
           <a:p>
             <a:r>
-              <a:rPr lang="de-CH"/>
+              <a:rPr lang="de-CH" dirty="0"/>
               <a:t>Josua Graf, Noah Zarro</a:t>
             </a:r>
           </a:p>
@@ -2838,7 +2890,7 @@
               <a:rPr lang="de-CH" smtClean="0"/>
               <a:t>‹Nr.›</a:t>
             </a:fld>
-            <a:endParaRPr lang="de-CH"/>
+            <a:endParaRPr lang="de-CH" dirty="0"/>
           </a:p>
         </p:txBody>
       </p:sp>
@@ -2973,7 +3025,7 @@
             </a:lvl9pPr>
           </a:lstStyle>
           <a:p>
-            <a:endParaRPr lang="de-CH"/>
+            <a:endParaRPr lang="de-CH" dirty="0"/>
           </a:p>
         </p:txBody>
       </p:sp>
@@ -3071,9 +3123,9 @@
           <a:p>
             <a:fld id="{5E03B577-AFD8-4382-90A0-49A117E6F82B}" type="datetime1">
               <a:rPr lang="de-CH" smtClean="0"/>
-              <a:t>06.12.2018</a:t>
+              <a:t>10.12.2018</a:t>
             </a:fld>
-            <a:endParaRPr lang="de-CH"/>
+            <a:endParaRPr lang="de-CH" dirty="0"/>
           </a:p>
         </p:txBody>
       </p:sp>
@@ -3099,7 +3151,7 @@
           <a:lstStyle/>
           <a:p>
             <a:r>
-              <a:rPr lang="de-CH"/>
+              <a:rPr lang="de-CH" dirty="0"/>
               <a:t>Josua Graf, Noah Zarro</a:t>
             </a:r>
           </a:p>
@@ -3130,7 +3182,7 @@
               <a:rPr lang="de-CH" smtClean="0"/>
               <a:t>‹Nr.›</a:t>
             </a:fld>
-            <a:endParaRPr lang="de-CH"/>
+            <a:endParaRPr lang="de-CH" dirty="0"/>
           </a:p>
         </p:txBody>
       </p:sp>
@@ -3317,9 +3369,9 @@
           <a:p>
             <a:fld id="{A2ECEC7D-4871-4CDC-A2BF-F09FFC3540D8}" type="datetime1">
               <a:rPr lang="de-CH" smtClean="0"/>
-              <a:t>06.12.2018</a:t>
+              <a:t>10.12.2018</a:t>
             </a:fld>
-            <a:endParaRPr lang="de-CH"/>
+            <a:endParaRPr lang="de-CH" dirty="0"/>
           </a:p>
         </p:txBody>
       </p:sp>
@@ -3363,7 +3415,7 @@
           </a:lstStyle>
           <a:p>
             <a:r>
-              <a:rPr lang="de-CH"/>
+              <a:rPr lang="de-CH" dirty="0"/>
               <a:t>Josua Graf, Noah Zarro</a:t>
             </a:r>
           </a:p>
@@ -3412,7 +3464,7 @@
               <a:rPr lang="de-CH" smtClean="0"/>
               <a:t>‹Nr.›</a:t>
             </a:fld>
-            <a:endParaRPr lang="de-CH"/>
+            <a:endParaRPr lang="de-CH" dirty="0"/>
           </a:p>
         </p:txBody>
       </p:sp>
@@ -3805,7 +3857,7 @@
           <a:lstStyle/>
           <a:p>
             <a:pPr algn="ctr"/>
-            <a:endParaRPr lang="en-US"/>
+            <a:endParaRPr lang="en-US" dirty="0"/>
           </a:p>
         </p:txBody>
       </p:sp>
@@ -3938,7 +3990,7 @@
               <a:t>Back </a:t>
             </a:r>
             <a:r>
-              <a:rPr lang="de-CH" sz="4400" dirty="0" err="1">
+              <a:rPr lang="en-US" sz="4400" dirty="0">
                 <a:solidFill>
                   <a:srgbClr val="000000"/>
                 </a:solidFill>
@@ -4003,15 +4055,31 @@
         </p:nvSpPr>
         <p:spPr>
           <a:xfrm>
-            <a:off x="6703565" y="2764462"/>
-            <a:ext cx="4218901" cy="1644592"/>
+            <a:off x="6703565" y="2764461"/>
+            <a:ext cx="4218901" cy="2237385"/>
           </a:xfrm>
         </p:spPr>
         <p:txBody>
           <a:bodyPr anchor="b">
-            <a:normAutofit/>
+            <a:normAutofit fontScale="92500" lnSpcReduction="10000"/>
           </a:bodyPr>
           <a:lstStyle/>
+          <a:p>
+            <a:pPr algn="l"/>
+            <a:r>
+              <a:rPr lang="de-CH" sz="1600" dirty="0" err="1">
+                <a:solidFill>
+                  <a:srgbClr val="000000"/>
+                </a:solidFill>
+              </a:rPr>
+              <a:t>Overview</a:t>
+            </a:r>
+            <a:endParaRPr lang="de-CH" sz="1600" dirty="0">
+              <a:solidFill>
+                <a:srgbClr val="000000"/>
+              </a:solidFill>
+            </a:endParaRPr>
+          </a:p>
           <a:p>
             <a:pPr marL="285750" indent="-285750" algn="l">
               <a:buFont typeface="Arial" panose="020B0604020202020204" pitchFamily="34" charset="0"/>
@@ -4039,14 +4107,223 @@
                   <a:srgbClr val="000000"/>
                 </a:solidFill>
               </a:rPr>
-              <a:t> R. Wehner</a:t>
-            </a:r>
+              <a:t> M. </a:t>
+            </a:r>
+            <a:r>
+              <a:rPr lang="de-CH" sz="1600" dirty="0" err="1">
+                <a:solidFill>
+                  <a:srgbClr val="000000"/>
+                </a:solidFill>
+              </a:rPr>
+              <a:t>Collett</a:t>
+            </a:r>
+            <a:endParaRPr lang="de-CH" sz="1600" dirty="0">
+              <a:solidFill>
+                <a:srgbClr val="000000"/>
+              </a:solidFill>
+            </a:endParaRPr>
           </a:p>
           <a:p>
             <a:pPr marL="285750" indent="-285750" algn="l">
               <a:buFont typeface="Arial" panose="020B0604020202020204" pitchFamily="34" charset="0"/>
               <a:buChar char="•"/>
             </a:pPr>
+            <a:r>
+              <a:rPr lang="de-CH" sz="1600" dirty="0">
+                <a:solidFill>
+                  <a:srgbClr val="000000"/>
+                </a:solidFill>
+              </a:rPr>
+              <a:t>Concept </a:t>
+            </a:r>
+            <a:r>
+              <a:rPr lang="de-CH" sz="1600" dirty="0" err="1">
+                <a:solidFill>
+                  <a:srgbClr val="000000"/>
+                </a:solidFill>
+              </a:rPr>
+              <a:t>of</a:t>
+            </a:r>
+            <a:r>
+              <a:rPr lang="de-CH" sz="1600" dirty="0">
+                <a:solidFill>
+                  <a:srgbClr val="000000"/>
+                </a:solidFill>
+              </a:rPr>
+              <a:t> global and </a:t>
+            </a:r>
+            <a:r>
+              <a:rPr lang="de-CH" sz="1600" dirty="0" err="1">
+                <a:solidFill>
+                  <a:srgbClr val="000000"/>
+                </a:solidFill>
+              </a:rPr>
+              <a:t>local</a:t>
+            </a:r>
+            <a:r>
+              <a:rPr lang="de-CH" sz="1600" dirty="0">
+                <a:solidFill>
+                  <a:srgbClr val="000000"/>
+                </a:solidFill>
+              </a:rPr>
+              <a:t> </a:t>
+            </a:r>
+            <a:r>
+              <a:rPr lang="de-CH" sz="1600" dirty="0" err="1">
+                <a:solidFill>
+                  <a:srgbClr val="000000"/>
+                </a:solidFill>
+              </a:rPr>
+              <a:t>vector</a:t>
+            </a:r>
+            <a:endParaRPr lang="de-CH" sz="1600" dirty="0">
+              <a:solidFill>
+                <a:srgbClr val="000000"/>
+              </a:solidFill>
+            </a:endParaRPr>
+          </a:p>
+          <a:p>
+            <a:pPr marL="285750" indent="-285750" algn="l">
+              <a:buFont typeface="Arial" panose="020B0604020202020204" pitchFamily="34" charset="0"/>
+              <a:buChar char="•"/>
+            </a:pPr>
+            <a:r>
+              <a:rPr lang="de-CH" sz="1600" dirty="0" err="1">
+                <a:solidFill>
+                  <a:srgbClr val="000000"/>
+                </a:solidFill>
+              </a:rPr>
+              <a:t>Conducted</a:t>
+            </a:r>
+            <a:r>
+              <a:rPr lang="de-CH" sz="1600" dirty="0">
+                <a:solidFill>
+                  <a:srgbClr val="000000"/>
+                </a:solidFill>
+              </a:rPr>
+              <a:t> </a:t>
+            </a:r>
+            <a:r>
+              <a:rPr lang="de-CH" sz="1600" dirty="0" err="1">
+                <a:solidFill>
+                  <a:srgbClr val="000000"/>
+                </a:solidFill>
+              </a:rPr>
+              <a:t>experiments</a:t>
+            </a:r>
+            <a:endParaRPr lang="de-CH" sz="1600" dirty="0">
+              <a:solidFill>
+                <a:srgbClr val="000000"/>
+              </a:solidFill>
+            </a:endParaRPr>
+          </a:p>
+          <a:p>
+            <a:pPr marL="285750" indent="-285750" algn="l">
+              <a:buFont typeface="Arial" panose="020B0604020202020204" pitchFamily="34" charset="0"/>
+              <a:buChar char="•"/>
+            </a:pPr>
+            <a:r>
+              <a:rPr lang="de-CH" sz="1600" dirty="0">
+                <a:solidFill>
+                  <a:srgbClr val="000000"/>
+                </a:solidFill>
+              </a:rPr>
+              <a:t>Model </a:t>
+            </a:r>
+            <a:r>
+              <a:rPr lang="de-CH" sz="1600" dirty="0" err="1">
+                <a:solidFill>
+                  <a:srgbClr val="000000"/>
+                </a:solidFill>
+              </a:rPr>
+              <a:t>of</a:t>
+            </a:r>
+            <a:r>
+              <a:rPr lang="de-CH" sz="1600" dirty="0">
+                <a:solidFill>
+                  <a:srgbClr val="000000"/>
+                </a:solidFill>
+              </a:rPr>
+              <a:t> </a:t>
+            </a:r>
+            <a:r>
+              <a:rPr lang="de-CH" sz="1600" dirty="0" err="1">
+                <a:solidFill>
+                  <a:srgbClr val="000000"/>
+                </a:solidFill>
+              </a:rPr>
+              <a:t>the</a:t>
+            </a:r>
+            <a:r>
+              <a:rPr lang="de-CH" sz="1600" dirty="0">
+                <a:solidFill>
+                  <a:srgbClr val="000000"/>
+                </a:solidFill>
+              </a:rPr>
+              <a:t> </a:t>
+            </a:r>
+            <a:r>
+              <a:rPr lang="de-CH" sz="1600" dirty="0" err="1">
+                <a:solidFill>
+                  <a:srgbClr val="000000"/>
+                </a:solidFill>
+              </a:rPr>
+              <a:t>ant</a:t>
+            </a:r>
+            <a:endParaRPr lang="de-CH" sz="1600" dirty="0">
+              <a:solidFill>
+                <a:srgbClr val="000000"/>
+              </a:solidFill>
+            </a:endParaRPr>
+          </a:p>
+          <a:p>
+            <a:pPr marL="285750" indent="-285750" algn="l">
+              <a:buFont typeface="Arial" panose="020B0604020202020204" pitchFamily="34" charset="0"/>
+              <a:buChar char="•"/>
+            </a:pPr>
+            <a:r>
+              <a:rPr lang="de-CH" sz="1600" dirty="0" err="1">
+                <a:solidFill>
+                  <a:srgbClr val="000000"/>
+                </a:solidFill>
+              </a:rPr>
+              <a:t>Our</a:t>
+            </a:r>
+            <a:r>
+              <a:rPr lang="de-CH" sz="1600" dirty="0">
+                <a:solidFill>
+                  <a:srgbClr val="000000"/>
+                </a:solidFill>
+              </a:rPr>
+              <a:t> </a:t>
+            </a:r>
+            <a:r>
+              <a:rPr lang="de-CH" sz="1600" dirty="0" err="1">
+                <a:solidFill>
+                  <a:srgbClr val="000000"/>
+                </a:solidFill>
+              </a:rPr>
+              <a:t>simulation</a:t>
+            </a:r>
+            <a:endParaRPr lang="de-CH" sz="1600" dirty="0">
+              <a:solidFill>
+                <a:srgbClr val="000000"/>
+              </a:solidFill>
+            </a:endParaRPr>
+          </a:p>
+          <a:p>
+            <a:pPr marL="285750" indent="-285750" algn="l">
+              <a:buFont typeface="Arial" panose="020B0604020202020204" pitchFamily="34" charset="0"/>
+              <a:buChar char="•"/>
+            </a:pPr>
+            <a:r>
+              <a:rPr lang="de-CH" sz="1600" dirty="0" err="1">
+                <a:solidFill>
+                  <a:srgbClr val="000000"/>
+                </a:solidFill>
+              </a:rPr>
+              <a:t>Results</a:t>
+            </a:r>
             <a:endParaRPr lang="de-CH" sz="1600" dirty="0">
               <a:solidFill>
                 <a:srgbClr val="000000"/>
@@ -4149,8 +4426,25 @@
             </a:r>
             <a:r>
               <a:rPr lang="de-CH" dirty="0"/>
-              <a:t> R. Wehner</a:t>
-            </a:r>
+              <a:t> </a:t>
+            </a:r>
+            <a:r>
+              <a:rPr lang="de-CH" dirty="0">
+                <a:solidFill>
+                  <a:srgbClr val="000000"/>
+                </a:solidFill>
+              </a:rPr>
+              <a:t> M. </a:t>
+            </a:r>
+            <a:r>
+              <a:rPr lang="de-CH" dirty="0" err="1">
+                <a:solidFill>
+                  <a:srgbClr val="000000"/>
+                </a:solidFill>
+              </a:rPr>
+              <a:t>Collett</a:t>
+            </a:r>
+            <a:endParaRPr lang="de-CH" dirty="0"/>
           </a:p>
         </p:txBody>
       </p:sp>
@@ -4174,6 +4468,49 @@
         <p:txBody>
           <a:bodyPr/>
           <a:lstStyle/>
+          <a:p>
+            <a:r>
+              <a:rPr lang="de-CH" dirty="0" err="1"/>
+              <a:t>Written</a:t>
+            </a:r>
+            <a:r>
+              <a:rPr lang="de-CH" dirty="0"/>
+              <a:t> in 1998</a:t>
+            </a:r>
+          </a:p>
+          <a:p>
+            <a:r>
+              <a:rPr lang="de-CH" dirty="0"/>
+              <a:t>Navigation </a:t>
+            </a:r>
+            <a:r>
+              <a:rPr lang="de-CH" dirty="0" err="1"/>
+              <a:t>of</a:t>
+            </a:r>
+            <a:r>
+              <a:rPr lang="de-CH" dirty="0"/>
+              <a:t> </a:t>
+            </a:r>
+            <a:r>
+              <a:rPr lang="de-CH" dirty="0" err="1"/>
+              <a:t>desert</a:t>
+            </a:r>
+            <a:r>
+              <a:rPr lang="de-CH" dirty="0"/>
+              <a:t> </a:t>
+            </a:r>
+            <a:r>
+              <a:rPr lang="de-CH" dirty="0" err="1"/>
+              <a:t>ants</a:t>
+            </a:r>
+            <a:endParaRPr lang="de-CH" dirty="0"/>
+          </a:p>
+          <a:p>
+            <a:endParaRPr lang="de-CH" dirty="0"/>
+          </a:p>
+          <a:p>
+            <a:endParaRPr lang="de-CH" dirty="0"/>
+          </a:p>
           <a:p>
             <a:endParaRPr lang="de-CH" dirty="0"/>
           </a:p>
@@ -4211,6 +4548,435 @@
     <p:extLst>
       <p:ext uri="{BB962C8B-B14F-4D97-AF65-F5344CB8AC3E}">
         <p14:creationId xmlns:p14="http://schemas.microsoft.com/office/powerpoint/2010/main" val="876636335"/>
+      </p:ext>
+    </p:extLst>
+  </p:cSld>
+  <p:clrMapOvr>
+    <a:masterClrMapping/>
+  </p:clrMapOvr>
+</p:sld>
+</file>
+
+<file path=ppt/slides/slide3.xml><?xml version="1.0" encoding="utf-8"?>
+<p:sld xmlns:a="http://schemas.openxmlformats.org/drawingml/2006/main" xmlns:r="http://schemas.openxmlformats.org/officeDocument/2006/relationships" xmlns:p="http://schemas.openxmlformats.org/presentationml/2006/main">
+  <p:cSld>
+    <p:spTree>
+      <p:nvGrpSpPr>
+        <p:cNvPr id="1" name=""/>
+        <p:cNvGrpSpPr/>
+        <p:nvPr/>
+      </p:nvGrpSpPr>
+      <p:grpSpPr>
+        <a:xfrm>
+          <a:off x="0" y="0"/>
+          <a:ext cx="0" cy="0"/>
+          <a:chOff x="0" y="0"/>
+          <a:chExt cx="0" cy="0"/>
+        </a:xfrm>
+      </p:grpSpPr>
+      <p:sp>
+        <p:nvSpPr>
+          <p:cNvPr id="2" name="Titel 1">
+            <a:extLst>
+              <a:ext uri="{FF2B5EF4-FFF2-40B4-BE49-F238E27FC236}">
+                <a16:creationId xmlns:a16="http://schemas.microsoft.com/office/drawing/2014/main" id="{E9D7E0D1-1C29-400F-AE01-3B6B640485CA}"/>
+              </a:ext>
+            </a:extLst>
+          </p:cNvPr>
+          <p:cNvSpPr>
+            <a:spLocks noGrp="1"/>
+          </p:cNvSpPr>
+          <p:nvPr>
+            <p:ph type="title"/>
+          </p:nvPr>
+        </p:nvSpPr>
+        <p:spPr/>
+        <p:txBody>
+          <a:bodyPr/>
+          <a:lstStyle/>
+          <a:p>
+            <a:r>
+              <a:rPr lang="de-CH" dirty="0"/>
+              <a:t>Global and </a:t>
+            </a:r>
+            <a:r>
+              <a:rPr lang="de-CH" dirty="0" err="1"/>
+              <a:t>local</a:t>
+            </a:r>
+            <a:r>
+              <a:rPr lang="de-CH" dirty="0"/>
+              <a:t> </a:t>
+            </a:r>
+            <a:r>
+              <a:rPr lang="de-CH" dirty="0" err="1"/>
+              <a:t>vector</a:t>
+            </a:r>
+            <a:endParaRPr lang="de-CH" dirty="0"/>
+          </a:p>
+        </p:txBody>
+      </p:sp>
+      <p:sp>
+        <p:nvSpPr>
+          <p:cNvPr id="3" name="Inhaltsplatzhalter 2">
+            <a:extLst>
+              <a:ext uri="{FF2B5EF4-FFF2-40B4-BE49-F238E27FC236}">
+                <a16:creationId xmlns:a16="http://schemas.microsoft.com/office/drawing/2014/main" id="{FF8B92C8-DC85-4E2D-8C9D-A1EBA3F34D19}"/>
+              </a:ext>
+            </a:extLst>
+          </p:cNvPr>
+          <p:cNvSpPr>
+            <a:spLocks noGrp="1"/>
+          </p:cNvSpPr>
+          <p:nvPr>
+            <p:ph idx="1"/>
+          </p:nvPr>
+        </p:nvSpPr>
+        <p:spPr/>
+        <p:txBody>
+          <a:bodyPr/>
+          <a:lstStyle/>
+          <a:p>
+            <a:r>
+              <a:rPr lang="de-CH" dirty="0"/>
+              <a:t>Problem: </a:t>
+            </a:r>
+            <a:r>
+              <a:rPr lang="de-CH" dirty="0" err="1"/>
+              <a:t>no</a:t>
+            </a:r>
+            <a:r>
+              <a:rPr lang="de-CH" dirty="0"/>
+              <a:t> visible </a:t>
+            </a:r>
+            <a:r>
+              <a:rPr lang="de-CH" dirty="0" err="1"/>
+              <a:t>landmarks</a:t>
+            </a:r>
+            <a:endParaRPr lang="de-CH" dirty="0"/>
+          </a:p>
+          <a:p>
+            <a:r>
+              <a:rPr lang="de-CH" dirty="0"/>
+              <a:t>Solution: </a:t>
+            </a:r>
+            <a:r>
+              <a:rPr lang="de-CH" dirty="0" err="1"/>
+              <a:t>path</a:t>
+            </a:r>
+            <a:r>
+              <a:rPr lang="de-CH" dirty="0"/>
+              <a:t> </a:t>
+            </a:r>
+            <a:r>
+              <a:rPr lang="de-CH" dirty="0" err="1"/>
+              <a:t>integration</a:t>
+            </a:r>
+            <a:endParaRPr lang="de-CH" dirty="0"/>
+          </a:p>
+          <a:p>
+            <a:r>
+              <a:rPr lang="de-CH" dirty="0"/>
+              <a:t>Sun </a:t>
+            </a:r>
+            <a:r>
+              <a:rPr lang="de-CH" dirty="0" err="1"/>
+              <a:t>as</a:t>
+            </a:r>
+            <a:r>
+              <a:rPr lang="de-CH" dirty="0"/>
+              <a:t> </a:t>
+            </a:r>
+            <a:r>
+              <a:rPr lang="de-CH" dirty="0" err="1"/>
+              <a:t>compass</a:t>
+            </a:r>
+            <a:endParaRPr lang="de-CH" dirty="0"/>
+          </a:p>
+          <a:p>
+            <a:endParaRPr lang="de-CH" dirty="0"/>
+          </a:p>
+          <a:p>
+            <a:endParaRPr lang="de-CH" dirty="0"/>
+          </a:p>
+        </p:txBody>
+      </p:sp>
+      <p:sp>
+        <p:nvSpPr>
+          <p:cNvPr id="4" name="Fußzeilenplatzhalter 3">
+            <a:extLst>
+              <a:ext uri="{FF2B5EF4-FFF2-40B4-BE49-F238E27FC236}">
+                <a16:creationId xmlns:a16="http://schemas.microsoft.com/office/drawing/2014/main" id="{4295BE47-FA69-4F94-8A6C-2A05762C1F5E}"/>
+              </a:ext>
+            </a:extLst>
+          </p:cNvPr>
+          <p:cNvSpPr>
+            <a:spLocks noGrp="1"/>
+          </p:cNvSpPr>
+          <p:nvPr>
+            <p:ph type="ftr" sz="quarter" idx="11"/>
+          </p:nvPr>
+        </p:nvSpPr>
+        <p:spPr/>
+        <p:txBody>
+          <a:bodyPr/>
+          <a:lstStyle/>
+          <a:p>
+            <a:r>
+              <a:rPr lang="de-CH" dirty="0"/>
+              <a:t>Josua Graf, Noah Zarro</a:t>
+            </a:r>
+          </a:p>
+        </p:txBody>
+      </p:sp>
+    </p:spTree>
+    <p:extLst>
+      <p:ext uri="{BB962C8B-B14F-4D97-AF65-F5344CB8AC3E}">
+        <p14:creationId xmlns:p14="http://schemas.microsoft.com/office/powerpoint/2010/main" val="3217100557"/>
+      </p:ext>
+    </p:extLst>
+  </p:cSld>
+  <p:clrMapOvr>
+    <a:masterClrMapping/>
+  </p:clrMapOvr>
+</p:sld>
+</file>
+
+<file path=ppt/slides/slide4.xml><?xml version="1.0" encoding="utf-8"?>
+<p:sld xmlns:a="http://schemas.openxmlformats.org/drawingml/2006/main" xmlns:r="http://schemas.openxmlformats.org/officeDocument/2006/relationships" xmlns:p="http://schemas.openxmlformats.org/presentationml/2006/main">
+  <p:cSld>
+    <p:spTree>
+      <p:nvGrpSpPr>
+        <p:cNvPr id="1" name=""/>
+        <p:cNvGrpSpPr/>
+        <p:nvPr/>
+      </p:nvGrpSpPr>
+      <p:grpSpPr>
+        <a:xfrm>
+          <a:off x="0" y="0"/>
+          <a:ext cx="0" cy="0"/>
+          <a:chOff x="0" y="0"/>
+          <a:chExt cx="0" cy="0"/>
+        </a:xfrm>
+      </p:grpSpPr>
+      <p:sp>
+        <p:nvSpPr>
+          <p:cNvPr id="2" name="Titel 1">
+            <a:extLst>
+              <a:ext uri="{FF2B5EF4-FFF2-40B4-BE49-F238E27FC236}">
+                <a16:creationId xmlns:a16="http://schemas.microsoft.com/office/drawing/2014/main" id="{55E02C53-6EB1-47A8-A22E-25E3C46690C9}"/>
+              </a:ext>
+            </a:extLst>
+          </p:cNvPr>
+          <p:cNvSpPr>
+            <a:spLocks noGrp="1"/>
+          </p:cNvSpPr>
+          <p:nvPr>
+            <p:ph type="title"/>
+          </p:nvPr>
+        </p:nvSpPr>
+        <p:spPr/>
+        <p:txBody>
+          <a:bodyPr/>
+          <a:lstStyle/>
+          <a:p>
+            <a:r>
+              <a:rPr lang="de-CH" dirty="0" err="1"/>
+              <a:t>Conducted</a:t>
+            </a:r>
+            <a:r>
+              <a:rPr lang="de-CH" dirty="0"/>
+              <a:t> </a:t>
+            </a:r>
+            <a:r>
+              <a:rPr lang="de-CH" dirty="0" err="1"/>
+              <a:t>experiments</a:t>
+            </a:r>
+            <a:endParaRPr lang="de-CH" dirty="0"/>
+          </a:p>
+        </p:txBody>
+      </p:sp>
+      <p:sp>
+        <p:nvSpPr>
+          <p:cNvPr id="3" name="Inhaltsplatzhalter 2">
+            <a:extLst>
+              <a:ext uri="{FF2B5EF4-FFF2-40B4-BE49-F238E27FC236}">
+                <a16:creationId xmlns:a16="http://schemas.microsoft.com/office/drawing/2014/main" id="{727A1460-03D5-4F49-A4EA-6D38DDE8CAA3}"/>
+              </a:ext>
+            </a:extLst>
+          </p:cNvPr>
+          <p:cNvSpPr>
+            <a:spLocks noGrp="1"/>
+          </p:cNvSpPr>
+          <p:nvPr>
+            <p:ph idx="1"/>
+          </p:nvPr>
+        </p:nvSpPr>
+        <p:spPr/>
+        <p:txBody>
+          <a:bodyPr/>
+          <a:lstStyle/>
+          <a:p>
+            <a:endParaRPr lang="de-CH" dirty="0"/>
+          </a:p>
+        </p:txBody>
+      </p:sp>
+      <p:sp>
+        <p:nvSpPr>
+          <p:cNvPr id="4" name="Fußzeilenplatzhalter 3">
+            <a:extLst>
+              <a:ext uri="{FF2B5EF4-FFF2-40B4-BE49-F238E27FC236}">
+                <a16:creationId xmlns:a16="http://schemas.microsoft.com/office/drawing/2014/main" id="{DA1791D4-4B12-4BAF-B27E-C75AA3A13325}"/>
+              </a:ext>
+            </a:extLst>
+          </p:cNvPr>
+          <p:cNvSpPr>
+            <a:spLocks noGrp="1"/>
+          </p:cNvSpPr>
+          <p:nvPr>
+            <p:ph type="ftr" sz="quarter" idx="11"/>
+          </p:nvPr>
+        </p:nvSpPr>
+        <p:spPr/>
+        <p:txBody>
+          <a:bodyPr/>
+          <a:lstStyle/>
+          <a:p>
+            <a:r>
+              <a:rPr lang="de-CH"/>
+              <a:t>Josua Graf, Noah Zarro</a:t>
+            </a:r>
+            <a:endParaRPr lang="de-CH" dirty="0"/>
+          </a:p>
+        </p:txBody>
+      </p:sp>
+    </p:spTree>
+    <p:extLst>
+      <p:ext uri="{BB962C8B-B14F-4D97-AF65-F5344CB8AC3E}">
+        <p14:creationId xmlns:p14="http://schemas.microsoft.com/office/powerpoint/2010/main" val="1844967865"/>
+      </p:ext>
+    </p:extLst>
+  </p:cSld>
+  <p:clrMapOvr>
+    <a:masterClrMapping/>
+  </p:clrMapOvr>
+</p:sld>
+</file>
+
+<file path=ppt/slides/slide5.xml><?xml version="1.0" encoding="utf-8"?>
+<p:sld xmlns:a="http://schemas.openxmlformats.org/drawingml/2006/main" xmlns:r="http://schemas.openxmlformats.org/officeDocument/2006/relationships" xmlns:p="http://schemas.openxmlformats.org/presentationml/2006/main">
+  <p:cSld>
+    <p:spTree>
+      <p:nvGrpSpPr>
+        <p:cNvPr id="1" name=""/>
+        <p:cNvGrpSpPr/>
+        <p:nvPr/>
+      </p:nvGrpSpPr>
+      <p:grpSpPr>
+        <a:xfrm>
+          <a:off x="0" y="0"/>
+          <a:ext cx="0" cy="0"/>
+          <a:chOff x="0" y="0"/>
+          <a:chExt cx="0" cy="0"/>
+        </a:xfrm>
+      </p:grpSpPr>
+      <p:sp>
+        <p:nvSpPr>
+          <p:cNvPr id="2" name="Titel 1">
+            <a:extLst>
+              <a:ext uri="{FF2B5EF4-FFF2-40B4-BE49-F238E27FC236}">
+                <a16:creationId xmlns:a16="http://schemas.microsoft.com/office/drawing/2014/main" id="{65DF8E59-4BA7-4110-B2C7-CF4E000C1742}"/>
+              </a:ext>
+            </a:extLst>
+          </p:cNvPr>
+          <p:cNvSpPr>
+            <a:spLocks noGrp="1"/>
+          </p:cNvSpPr>
+          <p:nvPr>
+            <p:ph type="title"/>
+          </p:nvPr>
+        </p:nvSpPr>
+        <p:spPr/>
+        <p:txBody>
+          <a:bodyPr/>
+          <a:lstStyle/>
+          <a:p>
+            <a:r>
+              <a:rPr lang="de-CH" dirty="0" err="1"/>
+              <a:t>Conducted</a:t>
+            </a:r>
+            <a:r>
+              <a:rPr lang="de-CH" dirty="0"/>
+              <a:t> </a:t>
+            </a:r>
+            <a:r>
+              <a:rPr lang="de-CH" dirty="0" err="1"/>
+              <a:t>experiments</a:t>
+            </a:r>
+            <a:r>
+              <a:rPr lang="de-CH"/>
+              <a:t> II</a:t>
+            </a:r>
+          </a:p>
+        </p:txBody>
+      </p:sp>
+      <p:sp>
+        <p:nvSpPr>
+          <p:cNvPr id="3" name="Inhaltsplatzhalter 2">
+            <a:extLst>
+              <a:ext uri="{FF2B5EF4-FFF2-40B4-BE49-F238E27FC236}">
+                <a16:creationId xmlns:a16="http://schemas.microsoft.com/office/drawing/2014/main" id="{EB4AEC1C-81AC-4C55-892E-FEF928F155EA}"/>
+              </a:ext>
+            </a:extLst>
+          </p:cNvPr>
+          <p:cNvSpPr>
+            <a:spLocks noGrp="1"/>
+          </p:cNvSpPr>
+          <p:nvPr>
+            <p:ph idx="1"/>
+          </p:nvPr>
+        </p:nvSpPr>
+        <p:spPr/>
+        <p:txBody>
+          <a:bodyPr/>
+          <a:lstStyle/>
+          <a:p>
+            <a:endParaRPr lang="de-CH"/>
+          </a:p>
+        </p:txBody>
+      </p:sp>
+      <p:sp>
+        <p:nvSpPr>
+          <p:cNvPr id="4" name="Fußzeilenplatzhalter 3">
+            <a:extLst>
+              <a:ext uri="{FF2B5EF4-FFF2-40B4-BE49-F238E27FC236}">
+                <a16:creationId xmlns:a16="http://schemas.microsoft.com/office/drawing/2014/main" id="{9F3D7A14-6CA4-407B-B5C8-2A1343848DF3}"/>
+              </a:ext>
+            </a:extLst>
+          </p:cNvPr>
+          <p:cNvSpPr>
+            <a:spLocks noGrp="1"/>
+          </p:cNvSpPr>
+          <p:nvPr>
+            <p:ph type="ftr" sz="quarter" idx="11"/>
+          </p:nvPr>
+        </p:nvSpPr>
+        <p:spPr/>
+        <p:txBody>
+          <a:bodyPr/>
+          <a:lstStyle/>
+          <a:p>
+            <a:r>
+              <a:rPr lang="de-CH"/>
+              <a:t>Josua Graf, Noah Zarro</a:t>
+            </a:r>
+            <a:endParaRPr lang="de-CH" dirty="0"/>
+          </a:p>
+        </p:txBody>
+      </p:sp>
+    </p:spTree>
+    <p:extLst>
+      <p:ext uri="{BB962C8B-B14F-4D97-AF65-F5344CB8AC3E}">
+        <p14:creationId xmlns:p14="http://schemas.microsoft.com/office/powerpoint/2010/main" val="1816722461"/>
       </p:ext>
     </p:extLst>
   </p:cSld>
